--- a/document/team_project(siatBread).pptx
+++ b/document/team_project(siatBread).pptx
@@ -2477,7 +2477,7 @@
           <a:p>
             <a:fld id="{F0F02000-4545-4E52-A2E4-8691D99178B2}" type="datetimeFigureOut">
               <a:rPr lang="ko-KR" altLang="en-US" smtClean="0"/>
-              <a:t>2021-03-01</a:t>
+              <a:t>2021-03-02</a:t>
             </a:fld>
             <a:endParaRPr lang="ko-KR" altLang="en-US"/>
           </a:p>
@@ -2647,7 +2647,7 @@
           <a:p>
             <a:fld id="{F0F02000-4545-4E52-A2E4-8691D99178B2}" type="datetimeFigureOut">
               <a:rPr lang="ko-KR" altLang="en-US" smtClean="0"/>
-              <a:t>2021-03-01</a:t>
+              <a:t>2021-03-02</a:t>
             </a:fld>
             <a:endParaRPr lang="ko-KR" altLang="en-US"/>
           </a:p>
@@ -2827,7 +2827,7 @@
           <a:p>
             <a:fld id="{F0F02000-4545-4E52-A2E4-8691D99178B2}" type="datetimeFigureOut">
               <a:rPr lang="ko-KR" altLang="en-US" smtClean="0"/>
-              <a:t>2021-03-01</a:t>
+              <a:t>2021-03-02</a:t>
             </a:fld>
             <a:endParaRPr lang="ko-KR" altLang="en-US"/>
           </a:p>
@@ -3310,7 +3310,7 @@
           <a:p>
             <a:fld id="{F0F02000-4545-4E52-A2E4-8691D99178B2}" type="datetimeFigureOut">
               <a:rPr lang="ko-KR" altLang="en-US" smtClean="0"/>
-              <a:t>2021-03-01</a:t>
+              <a:t>2021-03-02</a:t>
             </a:fld>
             <a:endParaRPr lang="ko-KR" altLang="en-US"/>
           </a:p>
@@ -3554,7 +3554,7 @@
           <a:p>
             <a:fld id="{F0F02000-4545-4E52-A2E4-8691D99178B2}" type="datetimeFigureOut">
               <a:rPr lang="ko-KR" altLang="en-US" smtClean="0"/>
-              <a:t>2021-03-01</a:t>
+              <a:t>2021-03-02</a:t>
             </a:fld>
             <a:endParaRPr lang="ko-KR" altLang="en-US"/>
           </a:p>
@@ -3786,7 +3786,7 @@
           <a:p>
             <a:fld id="{F0F02000-4545-4E52-A2E4-8691D99178B2}" type="datetimeFigureOut">
               <a:rPr lang="ko-KR" altLang="en-US" smtClean="0"/>
-              <a:t>2021-03-01</a:t>
+              <a:t>2021-03-02</a:t>
             </a:fld>
             <a:endParaRPr lang="ko-KR" altLang="en-US"/>
           </a:p>
@@ -4153,7 +4153,7 @@
           <a:p>
             <a:fld id="{F0F02000-4545-4E52-A2E4-8691D99178B2}" type="datetimeFigureOut">
               <a:rPr lang="ko-KR" altLang="en-US" smtClean="0"/>
-              <a:t>2021-03-01</a:t>
+              <a:t>2021-03-02</a:t>
             </a:fld>
             <a:endParaRPr lang="ko-KR" altLang="en-US"/>
           </a:p>
@@ -4271,7 +4271,7 @@
           <a:p>
             <a:fld id="{F0F02000-4545-4E52-A2E4-8691D99178B2}" type="datetimeFigureOut">
               <a:rPr lang="ko-KR" altLang="en-US" smtClean="0"/>
-              <a:t>2021-03-01</a:t>
+              <a:t>2021-03-02</a:t>
             </a:fld>
             <a:endParaRPr lang="ko-KR" altLang="en-US"/>
           </a:p>
@@ -4366,7 +4366,7 @@
           <a:p>
             <a:fld id="{F0F02000-4545-4E52-A2E4-8691D99178B2}" type="datetimeFigureOut">
               <a:rPr lang="ko-KR" altLang="en-US" smtClean="0"/>
-              <a:t>2021-03-01</a:t>
+              <a:t>2021-03-02</a:t>
             </a:fld>
             <a:endParaRPr lang="ko-KR" altLang="en-US"/>
           </a:p>
@@ -4643,7 +4643,7 @@
           <a:p>
             <a:fld id="{F0F02000-4545-4E52-A2E4-8691D99178B2}" type="datetimeFigureOut">
               <a:rPr lang="ko-KR" altLang="en-US" smtClean="0"/>
-              <a:t>2021-03-01</a:t>
+              <a:t>2021-03-02</a:t>
             </a:fld>
             <a:endParaRPr lang="ko-KR" altLang="en-US"/>
           </a:p>
@@ -4900,7 +4900,7 @@
           <a:p>
             <a:fld id="{F0F02000-4545-4E52-A2E4-8691D99178B2}" type="datetimeFigureOut">
               <a:rPr lang="ko-KR" altLang="en-US" smtClean="0"/>
-              <a:t>2021-03-01</a:t>
+              <a:t>2021-03-02</a:t>
             </a:fld>
             <a:endParaRPr lang="ko-KR" altLang="en-US"/>
           </a:p>
@@ -5116,7 +5116,7 @@
           <a:p>
             <a:fld id="{F0F02000-4545-4E52-A2E4-8691D99178B2}" type="datetimeFigureOut">
               <a:rPr lang="ko-KR" altLang="en-US" smtClean="0"/>
-              <a:t>2021-03-01</a:t>
+              <a:t>2021-03-02</a:t>
             </a:fld>
             <a:endParaRPr lang="ko-KR" altLang="en-US"/>
           </a:p>
@@ -7702,7 +7702,7 @@
         <p:spPr>
           <a:xfrm>
             <a:off x="692379" y="1843950"/>
-            <a:ext cx="7590539" cy="3170099"/>
+            <a:ext cx="7593745" cy="5016758"/>
           </a:xfrm>
           <a:prstGeom prst="rect">
             <a:avLst/>
@@ -7792,6 +7792,64 @@
             <a:r>
               <a:rPr lang="ko-KR" altLang="en-US" sz="2000" b="1"/>
               <a:t>경계선 애매모호함</a:t>
+            </a:r>
+            <a:endParaRPr lang="en-US" altLang="ko-KR" sz="2000" b="1"/>
+          </a:p>
+          <a:p>
+            <a:pPr marL="285750" indent="-285750">
+              <a:buFont typeface="Arial" panose="020B0604020202020204" pitchFamily="34" charset="0"/>
+              <a:buChar char="•"/>
+            </a:pPr>
+            <a:endParaRPr lang="en-US" altLang="ko-KR" sz="2000" b="1"/>
+          </a:p>
+          <a:p>
+            <a:pPr marL="285750" indent="-285750">
+              <a:buFont typeface="Arial" panose="020B0604020202020204" pitchFamily="34" charset="0"/>
+              <a:buChar char="•"/>
+            </a:pPr>
+            <a:endParaRPr lang="en-US" altLang="ko-KR" sz="2000" b="1"/>
+          </a:p>
+          <a:p>
+            <a:pPr marL="285750" indent="-285750">
+              <a:buFont typeface="Arial" panose="020B0604020202020204" pitchFamily="34" charset="0"/>
+              <a:buChar char="•"/>
+            </a:pPr>
+            <a:r>
+              <a:rPr lang="ko-KR" altLang="en-US" sz="2000" b="1"/>
+              <a:t>환불 기능 미구현</a:t>
+            </a:r>
+            <a:endParaRPr lang="en-US" altLang="ko-KR" sz="2000" b="1"/>
+          </a:p>
+          <a:p>
+            <a:pPr marL="285750" indent="-285750">
+              <a:buFont typeface="Arial" panose="020B0604020202020204" pitchFamily="34" charset="0"/>
+              <a:buChar char="•"/>
+            </a:pPr>
+            <a:endParaRPr lang="en-US" altLang="ko-KR" sz="2000" b="1"/>
+          </a:p>
+          <a:p>
+            <a:pPr marL="285750" indent="-285750">
+              <a:buFont typeface="Arial" panose="020B0604020202020204" pitchFamily="34" charset="0"/>
+              <a:buChar char="•"/>
+            </a:pPr>
+            <a:endParaRPr lang="en-US" altLang="ko-KR" sz="2000" b="1"/>
+          </a:p>
+          <a:p>
+            <a:pPr marL="285750" indent="-285750">
+              <a:buFont typeface="Arial" panose="020B0604020202020204" pitchFamily="34" charset="0"/>
+              <a:buChar char="•"/>
+            </a:pPr>
+            <a:r>
+              <a:rPr lang="ko-KR" altLang="en-US" sz="2000" b="1"/>
+              <a:t>방대한 데이터량에 비해</a:t>
+            </a:r>
+            <a:r>
+              <a:rPr lang="en-US" altLang="ko-KR" sz="2000" b="1"/>
+              <a:t>, </a:t>
+            </a:r>
+            <a:r>
+              <a:rPr lang="ko-KR" altLang="en-US" sz="2000" b="1"/>
+              <a:t>다루는 양은 소수</a:t>
             </a:r>
             <a:endParaRPr lang="en-US" altLang="ko-KR" sz="2000" b="1"/>
           </a:p>
@@ -11032,7 +11090,7 @@
           <p:cNvPr id="3" name="그림 2">
             <a:extLst>
               <a:ext uri="{FF2B5EF4-FFF2-40B4-BE49-F238E27FC236}">
-                <a16:creationId xmlns:a16="http://schemas.microsoft.com/office/drawing/2014/main" id="{32272FE8-1A57-4EF9-802D-885D5BF0B64E}"/>
+                <a16:creationId xmlns:a16="http://schemas.microsoft.com/office/drawing/2014/main" id="{AA312583-D4B2-414E-8CE4-97DD6F1993AA}"/>
               </a:ext>
             </a:extLst>
           </p:cNvPr>
@@ -11049,8 +11107,8 @@
         </p:blipFill>
         <p:spPr>
           <a:xfrm>
-            <a:off x="166276" y="1810148"/>
-            <a:ext cx="8811448" cy="3958862"/>
+            <a:off x="235447" y="1793432"/>
+            <a:ext cx="8673105" cy="3925244"/>
           </a:xfrm>
           <a:prstGeom prst="rect">
             <a:avLst/>

--- a/document/team_project(siatBread).pptx
+++ b/document/team_project(siatBread).pptx
@@ -2945,7 +2945,7 @@
           <a:lstStyle/>
           <a:p>
             <a:pPr algn="ctr"/>
-            <a:endParaRPr lang="ko-KR" altLang="en-US" sz="1350" dirty="0">
+            <a:endParaRPr lang="ko-KR" altLang="en-US" sz="1350">
               <a:solidFill>
                 <a:schemeClr val="tx1"/>
               </a:solidFill>
@@ -3102,7 +3102,7 @@
             <a:bodyPr rtlCol="0" anchor="ctr"/>
             <a:lstStyle/>
             <a:p>
-              <a:endParaRPr lang="en-US" sz="1800" dirty="0"/>
+              <a:endParaRPr lang="en-US" sz="1800"/>
             </a:p>
           </p:txBody>
         </p:sp>
@@ -3153,7 +3153,7 @@
             <a:bodyPr rtlCol="0" anchor="ctr"/>
             <a:lstStyle/>
             <a:p>
-              <a:endParaRPr lang="en-US" sz="1800" dirty="0"/>
+              <a:endParaRPr lang="en-US" sz="1800"/>
             </a:p>
           </p:txBody>
         </p:sp>
@@ -4814,7 +4814,7 @@
               <a:rPr lang="ko-KR" altLang="en-US"/>
               <a:t>그림을 추가하려면 아이콘을 클릭하십시오</a:t>
             </a:r>
-            <a:endParaRPr lang="en-US" dirty="0"/>
+            <a:endParaRPr lang="en-US"/>
           </a:p>
         </p:txBody>
       </p:sp>
@@ -5581,70 +5581,70 @@
             <a:lstStyle/>
             <a:p>
               <a:r>
-                <a:rPr lang="ko-KR" altLang="en-US" b="1" dirty="0">
+                <a:rPr lang="ko-KR" altLang="en-US" b="1">
                   <a:latin typeface="나눔고딕" panose="020D0604000000000000" pitchFamily="50" charset="-127"/>
                   <a:ea typeface="나눔고딕" panose="020D0604000000000000" pitchFamily="50" charset="-127"/>
                 </a:rPr>
                 <a:t>손진영</a:t>
               </a:r>
               <a:r>
-                <a:rPr lang="en-US" altLang="ko-KR" b="1" dirty="0">
+                <a:rPr lang="en-US" altLang="ko-KR" b="1">
                   <a:latin typeface="나눔고딕" panose="020D0604000000000000" pitchFamily="50" charset="-127"/>
                   <a:ea typeface="나눔고딕" panose="020D0604000000000000" pitchFamily="50" charset="-127"/>
                 </a:rPr>
                 <a:t> </a:t>
               </a:r>
               <a:r>
-                <a:rPr lang="ko-KR" altLang="en-US" b="1" dirty="0" err="1">
+                <a:rPr lang="ko-KR" altLang="en-US" b="1" err="1">
                   <a:latin typeface="나눔고딕" panose="020D0604000000000000" pitchFamily="50" charset="-127"/>
                   <a:ea typeface="나눔고딕" panose="020D0604000000000000" pitchFamily="50" charset="-127"/>
                 </a:rPr>
                 <a:t>ㅣ</a:t>
               </a:r>
               <a:r>
-                <a:rPr lang="ko-KR" altLang="en-US" b="1" dirty="0">
+                <a:rPr lang="ko-KR" altLang="en-US" b="1">
                   <a:latin typeface="나눔고딕" panose="020D0604000000000000" pitchFamily="50" charset="-127"/>
                   <a:ea typeface="나눔고딕" panose="020D0604000000000000" pitchFamily="50" charset="-127"/>
                 </a:rPr>
                 <a:t> </a:t>
               </a:r>
               <a:r>
-                <a:rPr lang="ko-KR" altLang="en-US" b="1" dirty="0" err="1">
+                <a:rPr lang="ko-KR" altLang="en-US" b="1" err="1">
                   <a:latin typeface="나눔고딕" panose="020D0604000000000000" pitchFamily="50" charset="-127"/>
                   <a:ea typeface="나눔고딕" panose="020D0604000000000000" pitchFamily="50" charset="-127"/>
                 </a:rPr>
                 <a:t>오승건</a:t>
               </a:r>
               <a:r>
-                <a:rPr lang="ko-KR" altLang="en-US" b="1" dirty="0">
+                <a:rPr lang="ko-KR" altLang="en-US" b="1">
                   <a:latin typeface="나눔고딕" panose="020D0604000000000000" pitchFamily="50" charset="-127"/>
                   <a:ea typeface="나눔고딕" panose="020D0604000000000000" pitchFamily="50" charset="-127"/>
                 </a:rPr>
                 <a:t> </a:t>
               </a:r>
               <a:r>
-                <a:rPr lang="ko-KR" altLang="en-US" b="1" dirty="0" err="1">
+                <a:rPr lang="ko-KR" altLang="en-US" b="1" err="1">
                   <a:latin typeface="나눔고딕" panose="020D0604000000000000" pitchFamily="50" charset="-127"/>
                   <a:ea typeface="나눔고딕" panose="020D0604000000000000" pitchFamily="50" charset="-127"/>
                 </a:rPr>
                 <a:t>ㅣ</a:t>
               </a:r>
               <a:r>
-                <a:rPr lang="ko-KR" altLang="en-US" b="1" dirty="0">
+                <a:rPr lang="ko-KR" altLang="en-US" b="1">
                   <a:latin typeface="나눔고딕" panose="020D0604000000000000" pitchFamily="50" charset="-127"/>
                   <a:ea typeface="나눔고딕" panose="020D0604000000000000" pitchFamily="50" charset="-127"/>
                 </a:rPr>
                 <a:t> 조재범 </a:t>
               </a:r>
               <a:r>
-                <a:rPr lang="ko-KR" altLang="en-US" b="1" dirty="0" err="1">
+                <a:rPr lang="ko-KR" altLang="en-US" b="1" err="1">
                   <a:latin typeface="나눔고딕" panose="020D0604000000000000" pitchFamily="50" charset="-127"/>
                   <a:ea typeface="나눔고딕" panose="020D0604000000000000" pitchFamily="50" charset="-127"/>
                 </a:rPr>
                 <a:t>ㅣ</a:t>
               </a:r>
               <a:r>
-                <a:rPr lang="ko-KR" altLang="en-US" b="1" dirty="0">
+                <a:rPr lang="ko-KR" altLang="en-US" b="1">
                   <a:latin typeface="나눔고딕" panose="020D0604000000000000" pitchFamily="50" charset="-127"/>
                   <a:ea typeface="나눔고딕" panose="020D0604000000000000" pitchFamily="50" charset="-127"/>
                 </a:rPr>
@@ -5682,13 +5682,13 @@
             <a:lstStyle/>
             <a:p>
               <a:r>
-                <a:rPr lang="en-US" altLang="ko-KR" b="1" dirty="0">
+                <a:rPr lang="en-US" altLang="ko-KR" b="1">
                   <a:latin typeface="나눔고딕" panose="020D0604000000000000" pitchFamily="50" charset="-127"/>
                   <a:ea typeface="나눔고딕" panose="020D0604000000000000" pitchFamily="50" charset="-127"/>
                 </a:rPr>
                 <a:t> 2021. 03. 02</a:t>
               </a:r>
-              <a:endParaRPr lang="ko-KR" altLang="en-US" b="1" dirty="0">
+              <a:endParaRPr lang="ko-KR" altLang="en-US" b="1">
                 <a:latin typeface="나눔고딕" panose="020D0604000000000000" pitchFamily="50" charset="-127"/>
                 <a:ea typeface="나눔고딕" panose="020D0604000000000000" pitchFamily="50" charset="-127"/>
               </a:endParaRPr>
@@ -5775,7 +5775,7 @@
           <a:lstStyle/>
           <a:p>
             <a:r>
-              <a:rPr lang="ko-KR" altLang="en-US" b="1" dirty="0">
+              <a:rPr lang="ko-KR" altLang="en-US" b="1">
                 <a:solidFill>
                   <a:srgbClr val="2D5E79"/>
                 </a:solidFill>
@@ -5784,7 +5784,7 @@
               </a:rPr>
               <a:t>한국장애인고용공단 경기맞춤훈련센터</a:t>
             </a:r>
-            <a:endParaRPr lang="en-US" altLang="ko-KR" b="1" dirty="0">
+            <a:endParaRPr lang="en-US" altLang="ko-KR" b="1">
               <a:solidFill>
                 <a:srgbClr val="2D5E79"/>
               </a:solidFill>
@@ -5813,13 +5813,6 @@
               </a:rPr>
               <a:t>소프트웨어 개발과정 </a:t>
             </a:r>
-            <a:endParaRPr lang="ko-KR" altLang="en-US" b="1" dirty="0">
-              <a:solidFill>
-                <a:srgbClr val="2D5E79"/>
-              </a:solidFill>
-              <a:latin typeface="나눔고딕" panose="020D0604000000000000" pitchFamily="50" charset="-127"/>
-              <a:ea typeface="나눔고딕" panose="020D0604000000000000" pitchFamily="50" charset="-127"/>
-            </a:endParaRPr>
           </a:p>
         </p:txBody>
       </p:sp>
@@ -5898,7 +5891,7 @@
             <a:lstStyle/>
             <a:p>
               <a:pPr algn="ctr"/>
-              <a:endParaRPr lang="ko-KR" altLang="en-US" dirty="0"/>
+              <a:endParaRPr lang="ko-KR" altLang="en-US"/>
             </a:p>
           </p:txBody>
         </p:sp>
@@ -6038,7 +6031,7 @@
             <a:lstStyle/>
             <a:p>
               <a:pPr algn="ctr"/>
-              <a:endParaRPr lang="ko-KR" altLang="en-US" dirty="0"/>
+              <a:endParaRPr lang="ko-KR" altLang="en-US"/>
             </a:p>
           </p:txBody>
         </p:sp>
@@ -6259,7 +6252,7 @@
             <a:lstStyle/>
             <a:p>
               <a:pPr algn="ctr"/>
-              <a:endParaRPr lang="ko-KR" altLang="en-US" dirty="0"/>
+              <a:endParaRPr lang="ko-KR" altLang="en-US"/>
             </a:p>
           </p:txBody>
         </p:sp>
@@ -6292,7 +6285,7 @@
             <a:lstStyle/>
             <a:p>
               <a:r>
-                <a:rPr lang="en-US" altLang="ko-KR" sz="4500" spc="-150" dirty="0">
+                <a:rPr lang="en-US" altLang="ko-KR" sz="4500" spc="-150">
                   <a:solidFill>
                     <a:schemeClr val="bg1"/>
                   </a:solidFill>
@@ -6308,7 +6301,7 @@
                 </a:rPr>
                 <a:t>SIAT Bread</a:t>
               </a:r>
-              <a:endParaRPr lang="ko-KR" altLang="en-US" sz="4500" spc="-150" dirty="0">
+              <a:endParaRPr lang="ko-KR" altLang="en-US" sz="4500" spc="-150">
                 <a:solidFill>
                   <a:schemeClr val="bg1"/>
                 </a:solidFill>
@@ -6493,21 +6486,6 @@
               </a:rPr>
               <a:t> </a:t>
             </a:r>
-            <a:endParaRPr lang="ko-KR" altLang="en-US" sz="2000" b="1" spc="600" dirty="0">
-              <a:solidFill>
-                <a:schemeClr val="bg1"/>
-              </a:solidFill>
-              <a:effectLst>
-                <a:outerShdw blurRad="38100" dist="38100" dir="2700000" algn="tl">
-                  <a:srgbClr val="000000">
-                    <a:alpha val="43137"/>
-                  </a:srgbClr>
-                </a:outerShdw>
-              </a:effectLst>
-              <a:latin typeface="나눔고딕 ExtraBold" panose="020D0904000000000000" pitchFamily="50" charset="-127"/>
-              <a:ea typeface="나눔고딕 ExtraBold" panose="020D0904000000000000" pitchFamily="50" charset="-127"/>
-              <a:cs typeface="Arial" panose="020B0604020202020204" pitchFamily="34" charset="0"/>
-            </a:endParaRPr>
           </a:p>
         </p:txBody>
       </p:sp>
@@ -6551,7 +6529,7 @@
           <a:p>
             <a:pPr algn="l"/>
             <a:r>
-              <a:rPr lang="en-US" altLang="ko-KR" sz="4000" b="1" dirty="0">
+              <a:rPr lang="en-US" altLang="ko-KR" sz="4000" b="1">
                 <a:solidFill>
                   <a:schemeClr val="bg1"/>
                 </a:solidFill>
@@ -6569,7 +6547,7 @@
               <a:t>02. </a:t>
             </a:r>
             <a:r>
-              <a:rPr lang="ko-KR" altLang="en-US" sz="4000" b="1" spc="600" dirty="0">
+              <a:rPr lang="ko-KR" altLang="en-US" sz="4000" b="1" spc="600">
                 <a:solidFill>
                   <a:schemeClr val="bg1"/>
                 </a:solidFill>
@@ -6719,7 +6697,7 @@
           <a:p>
             <a:pPr algn="ctr"/>
             <a:r>
-              <a:rPr lang="ko-KR" altLang="en-US" sz="10000" dirty="0">
+              <a:rPr lang="ko-KR" altLang="en-US" sz="10000">
                 <a:latin typeface="나눔고딕 ExtraBold" panose="020D0904000000000000" pitchFamily="50" charset="-127"/>
                 <a:ea typeface="나눔고딕 ExtraBold" panose="020D0904000000000000" pitchFamily="50" charset="-127"/>
               </a:rPr>
@@ -6806,7 +6784,7 @@
           <a:p>
             <a:pPr algn="l"/>
             <a:r>
-              <a:rPr lang="en-US" altLang="ko-KR" sz="4000" b="1" dirty="0">
+              <a:rPr lang="en-US" altLang="ko-KR" sz="4000" b="1">
                 <a:solidFill>
                   <a:schemeClr val="bg1"/>
                 </a:solidFill>
@@ -6824,7 +6802,7 @@
               <a:t>04. </a:t>
             </a:r>
             <a:r>
-              <a:rPr lang="ko-KR" altLang="en-US" sz="4000" b="1" spc="600" dirty="0">
+              <a:rPr lang="ko-KR" altLang="en-US" sz="4000" b="1" spc="600">
                 <a:solidFill>
                   <a:schemeClr val="bg1"/>
                 </a:solidFill>
@@ -6884,7 +6862,7 @@
           <a:p>
             <a:pPr algn="l"/>
             <a:r>
-              <a:rPr lang="ko-KR" altLang="en-US" sz="2000" b="1" spc="600" dirty="0">
+              <a:rPr lang="ko-KR" altLang="en-US" sz="2000" b="1" spc="600">
                 <a:solidFill>
                   <a:schemeClr val="bg1"/>
                 </a:solidFill>
@@ -6902,7 +6880,7 @@
               <a:t>문제상황 </a:t>
             </a:r>
             <a:r>
-              <a:rPr lang="en-US" altLang="ko-KR" sz="2000" b="1" spc="600" dirty="0">
+              <a:rPr lang="en-US" altLang="ko-KR" sz="2000" b="1" spc="600">
                 <a:solidFill>
                   <a:schemeClr val="bg1"/>
                 </a:solidFill>
@@ -6920,7 +6898,7 @@
               <a:t>: </a:t>
             </a:r>
             <a:r>
-              <a:rPr lang="ko-KR" altLang="en-US" sz="2000" b="1" spc="600" dirty="0">
+              <a:rPr lang="ko-KR" altLang="en-US" sz="2000" b="1" spc="600">
                 <a:solidFill>
                   <a:schemeClr val="bg1"/>
                 </a:solidFill>
@@ -6938,7 +6916,7 @@
               <a:t>해결과정 </a:t>
             </a:r>
             <a:r>
-              <a:rPr lang="en-US" altLang="ko-KR" sz="2000" b="1" spc="600" dirty="0">
+              <a:rPr lang="en-US" altLang="ko-KR" sz="2000" b="1" spc="600">
                 <a:solidFill>
                   <a:schemeClr val="bg1"/>
                 </a:solidFill>
@@ -6955,7 +6933,7 @@
               </a:rPr>
               <a:t>1</a:t>
             </a:r>
-            <a:endParaRPr lang="ko-KR" altLang="en-US" sz="2000" b="1" spc="600" dirty="0">
+            <a:endParaRPr lang="ko-KR" altLang="en-US" sz="2000" b="1" spc="600">
               <a:solidFill>
                 <a:schemeClr val="bg1"/>
               </a:solidFill>
@@ -7087,7 +7065,7 @@
           <a:p>
             <a:pPr algn="l"/>
             <a:r>
-              <a:rPr lang="en-US" altLang="ko-KR" sz="4000" b="1" dirty="0">
+              <a:rPr lang="en-US" altLang="ko-KR" sz="4000" b="1">
                 <a:solidFill>
                   <a:schemeClr val="bg1"/>
                 </a:solidFill>
@@ -7105,7 +7083,7 @@
               <a:t>04. </a:t>
             </a:r>
             <a:r>
-              <a:rPr lang="ko-KR" altLang="en-US" sz="4000" b="1" spc="600" dirty="0">
+              <a:rPr lang="ko-KR" altLang="en-US" sz="4000" b="1" spc="600">
                 <a:solidFill>
                   <a:schemeClr val="bg1"/>
                 </a:solidFill>
@@ -7165,7 +7143,7 @@
           <a:p>
             <a:pPr algn="l"/>
             <a:r>
-              <a:rPr lang="ko-KR" altLang="en-US" sz="2000" b="1" spc="600" dirty="0">
+              <a:rPr lang="ko-KR" altLang="en-US" sz="2000" b="1" spc="600">
                 <a:solidFill>
                   <a:schemeClr val="bg1"/>
                 </a:solidFill>
@@ -7183,7 +7161,7 @@
               <a:t>문제상황 </a:t>
             </a:r>
             <a:r>
-              <a:rPr lang="en-US" altLang="ko-KR" sz="2000" b="1" spc="600" dirty="0">
+              <a:rPr lang="en-US" altLang="ko-KR" sz="2000" b="1" spc="600">
                 <a:solidFill>
                   <a:schemeClr val="bg1"/>
                 </a:solidFill>
@@ -7201,7 +7179,7 @@
               <a:t>: </a:t>
             </a:r>
             <a:r>
-              <a:rPr lang="ko-KR" altLang="en-US" sz="2000" b="1" spc="600" dirty="0">
+              <a:rPr lang="ko-KR" altLang="en-US" sz="2000" b="1" spc="600">
                 <a:solidFill>
                   <a:schemeClr val="bg1"/>
                 </a:solidFill>
@@ -7219,7 +7197,7 @@
               <a:t>해결과정 </a:t>
             </a:r>
             <a:r>
-              <a:rPr lang="en-US" altLang="ko-KR" sz="2000" b="1" spc="600" dirty="0">
+              <a:rPr lang="en-US" altLang="ko-KR" sz="2000" b="1" spc="600">
                 <a:solidFill>
                   <a:schemeClr val="bg1"/>
                 </a:solidFill>
@@ -7236,7 +7214,7 @@
               </a:rPr>
               <a:t>1</a:t>
             </a:r>
-            <a:endParaRPr lang="ko-KR" altLang="en-US" sz="2000" b="1" spc="600" dirty="0">
+            <a:endParaRPr lang="ko-KR" altLang="en-US" sz="2000" b="1" spc="600">
               <a:solidFill>
                 <a:schemeClr val="bg1"/>
               </a:solidFill>
@@ -7368,7 +7346,7 @@
           <a:p>
             <a:pPr algn="l"/>
             <a:r>
-              <a:rPr lang="en-US" altLang="ko-KR" sz="4000" b="1" dirty="0">
+              <a:rPr lang="en-US" altLang="ko-KR" sz="4000" b="1">
                 <a:solidFill>
                   <a:schemeClr val="bg1"/>
                 </a:solidFill>
@@ -7386,7 +7364,7 @@
               <a:t>04. </a:t>
             </a:r>
             <a:r>
-              <a:rPr lang="ko-KR" altLang="en-US" sz="4000" b="1" spc="600" dirty="0">
+              <a:rPr lang="ko-KR" altLang="en-US" sz="4000" b="1" spc="600">
                 <a:solidFill>
                   <a:schemeClr val="bg1"/>
                 </a:solidFill>
@@ -7446,7 +7424,7 @@
           <a:p>
             <a:pPr algn="l"/>
             <a:r>
-              <a:rPr lang="ko-KR" altLang="en-US" sz="2000" b="1" spc="600" dirty="0">
+              <a:rPr lang="ko-KR" altLang="en-US" sz="2000" b="1" spc="600">
                 <a:solidFill>
                   <a:schemeClr val="bg1"/>
                 </a:solidFill>
@@ -7464,7 +7442,7 @@
               <a:t>문제상황 </a:t>
             </a:r>
             <a:r>
-              <a:rPr lang="en-US" altLang="ko-KR" sz="2000" b="1" spc="600" dirty="0">
+              <a:rPr lang="en-US" altLang="ko-KR" sz="2000" b="1" spc="600">
                 <a:solidFill>
                   <a:schemeClr val="bg1"/>
                 </a:solidFill>
@@ -7482,7 +7460,7 @@
               <a:t>: </a:t>
             </a:r>
             <a:r>
-              <a:rPr lang="ko-KR" altLang="en-US" sz="2000" b="1" spc="600" dirty="0">
+              <a:rPr lang="ko-KR" altLang="en-US" sz="2000" b="1" spc="600">
                 <a:solidFill>
                   <a:schemeClr val="bg1"/>
                 </a:solidFill>
@@ -7500,7 +7478,7 @@
               <a:t>해결과정 </a:t>
             </a:r>
             <a:r>
-              <a:rPr lang="en-US" altLang="ko-KR" sz="2000" b="1" spc="600" dirty="0">
+              <a:rPr lang="en-US" altLang="ko-KR" sz="2000" b="1" spc="600">
                 <a:solidFill>
                   <a:schemeClr val="bg1"/>
                 </a:solidFill>
@@ -7517,7 +7495,7 @@
               </a:rPr>
               <a:t>1</a:t>
             </a:r>
-            <a:endParaRPr lang="ko-KR" altLang="en-US" sz="2000" b="1" spc="600" dirty="0">
+            <a:endParaRPr lang="ko-KR" altLang="en-US" sz="2000" b="1" spc="600">
               <a:solidFill>
                 <a:schemeClr val="bg1"/>
               </a:solidFill>
@@ -7649,7 +7627,7 @@
           <a:p>
             <a:pPr algn="l"/>
             <a:r>
-              <a:rPr lang="en-US" altLang="ko-KR" sz="4000" b="1" dirty="0">
+              <a:rPr lang="en-US" altLang="ko-KR" sz="4000" b="1">
                 <a:solidFill>
                   <a:schemeClr val="bg1"/>
                 </a:solidFill>
@@ -7667,7 +7645,7 @@
               <a:t>05. </a:t>
             </a:r>
             <a:r>
-              <a:rPr lang="ko-KR" altLang="en-US" sz="4000" b="1" spc="600" dirty="0">
+              <a:rPr lang="ko-KR" altLang="en-US" sz="4000" b="1" spc="600">
                 <a:solidFill>
                   <a:schemeClr val="bg1"/>
                 </a:solidFill>
@@ -7701,8 +7679,8 @@
         </p:nvSpPr>
         <p:spPr>
           <a:xfrm>
-            <a:off x="692379" y="1843950"/>
-            <a:ext cx="7593745" cy="5016758"/>
+            <a:off x="775127" y="1651003"/>
+            <a:ext cx="7593745" cy="3785652"/>
           </a:xfrm>
           <a:prstGeom prst="rect">
             <a:avLst/>
@@ -7753,13 +7731,6 @@
               <a:buFont typeface="Arial" panose="020B0604020202020204" pitchFamily="34" charset="0"/>
               <a:buChar char="•"/>
             </a:pPr>
-            <a:endParaRPr lang="en-US" altLang="ko-KR" sz="2000" b="1"/>
-          </a:p>
-          <a:p>
-            <a:pPr marL="285750" indent="-285750">
-              <a:buFont typeface="Arial" panose="020B0604020202020204" pitchFamily="34" charset="0"/>
-              <a:buChar char="•"/>
-            </a:pPr>
             <a:r>
               <a:rPr lang="en-US" altLang="ko-KR" sz="2000" b="1"/>
               <a:t>DB, DTO </a:t>
@@ -7768,9 +7739,6 @@
               <a:rPr lang="ko-KR" altLang="en-US" sz="2000" b="1"/>
               <a:t>구성 </a:t>
             </a:r>
-            <a:endParaRPr lang="en-US" altLang="ko-KR" sz="2000" b="1"/>
-          </a:p>
-          <a:p>
             <a:endParaRPr lang="en-US" altLang="ko-KR" sz="2000" b="1"/>
           </a:p>
           <a:p>
@@ -7787,11 +7755,19 @@
             </a:pPr>
             <a:r>
               <a:rPr lang="en-US" altLang="ko-KR" sz="2000" b="1"/>
-              <a:t>View – IO – Thread </a:t>
+              <a:t>View</a:t>
             </a:r>
             <a:r>
               <a:rPr lang="ko-KR" altLang="en-US" sz="2000" b="1"/>
-              <a:t>경계선 애매모호함</a:t>
+              <a:t>에 </a:t>
+            </a:r>
+            <a:r>
+              <a:rPr lang="en-US" altLang="ko-KR" sz="2000" b="1"/>
+              <a:t>IO, Thread </a:t>
+            </a:r>
+            <a:r>
+              <a:rPr lang="ko-KR" altLang="en-US" sz="2000" b="1"/>
+              <a:t>주입 위치</a:t>
             </a:r>
             <a:endParaRPr lang="en-US" altLang="ko-KR" sz="2000" b="1"/>
           </a:p>
@@ -7807,24 +7783,10 @@
               <a:buFont typeface="Arial" panose="020B0604020202020204" pitchFamily="34" charset="0"/>
               <a:buChar char="•"/>
             </a:pPr>
-            <a:endParaRPr lang="en-US" altLang="ko-KR" sz="2000" b="1"/>
-          </a:p>
-          <a:p>
-            <a:pPr marL="285750" indent="-285750">
-              <a:buFont typeface="Arial" panose="020B0604020202020204" pitchFamily="34" charset="0"/>
-              <a:buChar char="•"/>
-            </a:pPr>
             <a:r>
               <a:rPr lang="ko-KR" altLang="en-US" sz="2000" b="1"/>
               <a:t>환불 기능 미구현</a:t>
             </a:r>
-            <a:endParaRPr lang="en-US" altLang="ko-KR" sz="2000" b="1"/>
-          </a:p>
-          <a:p>
-            <a:pPr marL="285750" indent="-285750">
-              <a:buFont typeface="Arial" panose="020B0604020202020204" pitchFamily="34" charset="0"/>
-              <a:buChar char="•"/>
-            </a:pPr>
             <a:endParaRPr lang="en-US" altLang="ko-KR" sz="2000" b="1"/>
           </a:p>
           <a:p>
@@ -7888,7 +7850,7 @@
         </p:nvCxnSpPr>
         <p:spPr>
           <a:xfrm>
-            <a:off x="629361" y="1869333"/>
+            <a:off x="712109" y="1676386"/>
             <a:ext cx="0" cy="449580"/>
           </a:xfrm>
           <a:prstGeom prst="line">
@@ -7962,7 +7924,7 @@
           <a:p>
             <a:pPr algn="l"/>
             <a:r>
-              <a:rPr lang="ko-KR" altLang="en-US" sz="2000" b="1" spc="600" dirty="0">
+              <a:rPr lang="ko-KR" altLang="en-US" sz="2000" b="1" spc="600">
                 <a:solidFill>
                   <a:schemeClr val="bg1"/>
                 </a:solidFill>
@@ -8076,13 +8038,13 @@
           <a:p>
             <a:pPr algn="ctr"/>
             <a:r>
-              <a:rPr lang="en-US" altLang="ko-KR" sz="10000" dirty="0" err="1">
+              <a:rPr lang="en-US" altLang="ko-KR" sz="10000" err="1">
                 <a:latin typeface="나눔고딕 ExtraBold" panose="020D0904000000000000" pitchFamily="50" charset="-127"/>
                 <a:ea typeface="나눔고딕 ExtraBold" panose="020D0904000000000000" pitchFamily="50" charset="-127"/>
               </a:rPr>
               <a:t>QnA</a:t>
             </a:r>
-            <a:endParaRPr lang="ko-KR" altLang="en-US" sz="10000" dirty="0">
+            <a:endParaRPr lang="ko-KR" altLang="en-US" sz="10000">
               <a:latin typeface="나눔고딕 ExtraBold" panose="020D0904000000000000" pitchFamily="50" charset="-127"/>
               <a:ea typeface="나눔고딕 ExtraBold" panose="020D0904000000000000" pitchFamily="50" charset="-127"/>
             </a:endParaRPr>
@@ -8157,7 +8119,7 @@
           <a:p>
             <a:pPr algn="ctr"/>
             <a:r>
-              <a:rPr lang="ko-KR" altLang="en-US" sz="6000" dirty="0">
+              <a:rPr lang="ko-KR" altLang="en-US" sz="6000">
                 <a:effectLst>
                   <a:outerShdw blurRad="38100" dist="38100" dir="2700000" algn="tl">
                     <a:srgbClr val="000000">
@@ -8224,10 +8186,6 @@
               </a:rPr>
               <a:t>ㅣ 오승건 ㅣ 조재범 ㅣ 최동철</a:t>
             </a:r>
-            <a:endParaRPr lang="ko-KR" altLang="en-US" sz="1600" b="1" dirty="0">
-              <a:latin typeface="나눔고딕" panose="020D0604000000000000" pitchFamily="50" charset="-127"/>
-              <a:ea typeface="나눔고딕" panose="020D0604000000000000" pitchFamily="50" charset="-127"/>
-            </a:endParaRPr>
           </a:p>
         </p:txBody>
       </p:sp>
@@ -8298,7 +8256,7 @@
             <a:bodyPr rtlCol="0" anchor="ctr"/>
             <a:lstStyle/>
             <a:p>
-              <a:endParaRPr lang="en-US" sz="1800" dirty="0"/>
+              <a:endParaRPr lang="en-US" sz="1800"/>
             </a:p>
           </p:txBody>
         </p:sp>
@@ -8349,7 +8307,7 @@
             <a:bodyPr rtlCol="0" anchor="ctr"/>
             <a:lstStyle/>
             <a:p>
-              <a:endParaRPr lang="en-US" sz="1800" dirty="0"/>
+              <a:endParaRPr lang="en-US" sz="1800"/>
             </a:p>
           </p:txBody>
         </p:sp>
@@ -8444,10 +8402,10 @@
               <a:buChar char="•"/>
             </a:pPr>
             <a:r>
-              <a:rPr lang="ko-KR" altLang="en-US" sz="1400" dirty="0"/>
+              <a:rPr lang="ko-KR" altLang="en-US" sz="1400"/>
               <a:t>발전 방향</a:t>
             </a:r>
-            <a:endParaRPr lang="en-US" altLang="ko-KR" sz="1400" dirty="0"/>
+            <a:endParaRPr lang="en-US" altLang="ko-KR" sz="1400"/>
           </a:p>
           <a:p>
             <a:pPr marL="285750" indent="-285750">
@@ -8456,10 +8414,10 @@
               <a:buChar char="•"/>
             </a:pPr>
             <a:r>
-              <a:rPr lang="en-US" altLang="ko-KR" sz="1400" dirty="0"/>
+              <a:rPr lang="en-US" altLang="ko-KR" sz="1400"/>
               <a:t>Q&amp;A</a:t>
             </a:r>
-            <a:endParaRPr lang="ko-KR" altLang="en-US" sz="1400" dirty="0"/>
+            <a:endParaRPr lang="ko-KR" altLang="en-US" sz="1400"/>
           </a:p>
         </p:txBody>
       </p:sp>
@@ -8523,7 +8481,7 @@
             <a:p>
               <a:pPr algn="l"/>
               <a:r>
-                <a:rPr lang="ko-KR" altLang="en-US" sz="2100" b="1" dirty="0">
+                <a:rPr lang="ko-KR" altLang="en-US" sz="2100" b="1">
                   <a:effectLst>
                     <a:outerShdw blurRad="38100" dist="38100" dir="2700000" algn="tl">
                       <a:srgbClr val="000000">
@@ -8579,7 +8537,7 @@
             </a:lstStyle>
             <a:p>
               <a:r>
-                <a:rPr lang="en-US" altLang="ko-KR" sz="2100" b="1" dirty="0">
+                <a:rPr lang="en-US" altLang="ko-KR" sz="2100" b="1">
                   <a:effectLst>
                     <a:outerShdw blurRad="38100" dist="38100" dir="2700000" algn="tl">
                       <a:srgbClr val="000000">
@@ -8593,7 +8551,7 @@
                 </a:rPr>
                 <a:t>05</a:t>
               </a:r>
-              <a:endParaRPr lang="ko-KR" altLang="en-US" sz="2100" b="1" dirty="0">
+              <a:endParaRPr lang="ko-KR" altLang="en-US" sz="2100" b="1">
                 <a:effectLst>
                   <a:outerShdw blurRad="38100" dist="38100" dir="2700000" algn="tl">
                     <a:srgbClr val="000000">
@@ -8664,7 +8622,6 @@
               <a:rPr lang="en-US" altLang="ko-KR" sz="1400"/>
               <a:t>Class Diagram</a:t>
             </a:r>
-            <a:endParaRPr lang="en-US" altLang="ko-KR" sz="1400" dirty="0"/>
           </a:p>
           <a:p>
             <a:pPr marL="285750" indent="-285750">
@@ -8676,7 +8633,6 @@
               <a:rPr lang="en-US" altLang="ko-KR" sz="1400"/>
               <a:t>ERD</a:t>
             </a:r>
-            <a:endParaRPr lang="en-US" altLang="ko-KR" sz="1400" dirty="0"/>
           </a:p>
           <a:p>
             <a:pPr marL="285750" indent="-285750">
@@ -8708,7 +8664,7 @@
               <a:rPr lang="en-US" altLang="ko-KR" sz="1400"/>
               <a:t>)</a:t>
             </a:r>
-            <a:endParaRPr lang="ko-KR" altLang="en-US" sz="1400" dirty="0"/>
+            <a:endParaRPr lang="ko-KR" altLang="en-US" sz="1400"/>
           </a:p>
         </p:txBody>
       </p:sp>
@@ -8771,7 +8727,7 @@
             </a:lstStyle>
             <a:p>
               <a:r>
-                <a:rPr lang="en-US" altLang="ko-KR" sz="2100" b="1" dirty="0">
+                <a:rPr lang="en-US" altLang="ko-KR" sz="2100" b="1">
                   <a:effectLst>
                     <a:outerShdw blurRad="38100" dist="38100" dir="2700000" algn="tl">
                       <a:srgbClr val="000000">
@@ -8785,7 +8741,7 @@
                 </a:rPr>
                 <a:t>02</a:t>
               </a:r>
-              <a:endParaRPr lang="ko-KR" altLang="en-US" sz="2100" b="1" dirty="0">
+              <a:endParaRPr lang="ko-KR" altLang="en-US" sz="2100" b="1">
                 <a:effectLst>
                   <a:outerShdw blurRad="38100" dist="38100" dir="2700000" algn="tl">
                     <a:srgbClr val="000000">
@@ -8840,7 +8796,7 @@
             <a:p>
               <a:pPr algn="l"/>
               <a:r>
-                <a:rPr lang="ko-KR" altLang="en-US" sz="2100" b="1" dirty="0">
+                <a:rPr lang="ko-KR" altLang="en-US" sz="2100" b="1">
                   <a:effectLst>
                     <a:outerShdw blurRad="38100" dist="38100" dir="2700000" algn="tl">
                       <a:srgbClr val="000000">
@@ -8910,7 +8866,7 @@
               <a:buChar char="•"/>
             </a:pPr>
             <a:r>
-              <a:rPr lang="ko-KR" altLang="en-US" sz="1400" dirty="0"/>
+              <a:rPr lang="ko-KR" altLang="en-US" sz="1400"/>
               <a:t>프로젝트 시연</a:t>
             </a:r>
           </a:p>
@@ -8975,7 +8931,7 @@
             </a:lstStyle>
             <a:p>
               <a:r>
-                <a:rPr lang="en-US" altLang="ko-KR" sz="2100" b="1" dirty="0">
+                <a:rPr lang="en-US" altLang="ko-KR" sz="2100" b="1">
                   <a:effectLst>
                     <a:outerShdw blurRad="38100" dist="38100" dir="2700000" algn="tl">
                       <a:srgbClr val="000000">
@@ -8989,7 +8945,7 @@
                 </a:rPr>
                 <a:t>03</a:t>
               </a:r>
-              <a:endParaRPr lang="ko-KR" altLang="en-US" sz="2100" b="1" dirty="0">
+              <a:endParaRPr lang="ko-KR" altLang="en-US" sz="2100" b="1">
                 <a:effectLst>
                   <a:outerShdw blurRad="38100" dist="38100" dir="2700000" algn="tl">
                     <a:srgbClr val="000000">
@@ -9044,7 +9000,7 @@
             <a:p>
               <a:pPr algn="l"/>
               <a:r>
-                <a:rPr lang="ko-KR" altLang="en-US" sz="2100" b="1" dirty="0">
+                <a:rPr lang="ko-KR" altLang="en-US" sz="2100" b="1">
                   <a:effectLst>
                     <a:outerShdw blurRad="38100" dist="38100" dir="2700000" algn="tl">
                       <a:srgbClr val="000000">
@@ -9114,7 +9070,7 @@
               <a:buChar char="•"/>
             </a:pPr>
             <a:r>
-              <a:rPr lang="ko-KR" altLang="en-US" sz="1400" dirty="0"/>
+              <a:rPr lang="ko-KR" altLang="en-US" sz="1400"/>
               <a:t>문제상황 및 해결과정</a:t>
             </a:r>
           </a:p>
@@ -9179,7 +9135,7 @@
             </a:lstStyle>
             <a:p>
               <a:r>
-                <a:rPr lang="en-US" altLang="ko-KR" sz="2100" b="1" dirty="0">
+                <a:rPr lang="en-US" altLang="ko-KR" sz="2100" b="1">
                   <a:effectLst>
                     <a:outerShdw blurRad="38100" dist="38100" dir="2700000" algn="tl">
                       <a:srgbClr val="000000">
@@ -9193,7 +9149,7 @@
                 </a:rPr>
                 <a:t>04</a:t>
               </a:r>
-              <a:endParaRPr lang="ko-KR" altLang="en-US" sz="2100" b="1" dirty="0">
+              <a:endParaRPr lang="ko-KR" altLang="en-US" sz="2100" b="1">
                 <a:effectLst>
                   <a:outerShdw blurRad="38100" dist="38100" dir="2700000" algn="tl">
                     <a:srgbClr val="000000">
@@ -9248,7 +9204,7 @@
             <a:p>
               <a:pPr algn="l"/>
               <a:r>
-                <a:rPr lang="ko-KR" altLang="en-US" sz="2100" b="1" dirty="0">
+                <a:rPr lang="ko-KR" altLang="en-US" sz="2100" b="1">
                   <a:effectLst>
                     <a:outerShdw blurRad="38100" dist="38100" dir="2700000" algn="tl">
                       <a:srgbClr val="000000">
@@ -9369,7 +9325,7 @@
               </a:rPr>
               <a:t>개발환경</a:t>
             </a:r>
-            <a:endParaRPr lang="en-US" altLang="ko-KR" sz="1400" b="1" dirty="0">
+            <a:endParaRPr lang="en-US" altLang="ko-KR" sz="1400" b="1">
               <a:solidFill>
                 <a:schemeClr val="tx1">
                   <a:alpha val="65000"/>
@@ -9440,7 +9396,7 @@
             </a:lstStyle>
             <a:p>
               <a:r>
-                <a:rPr lang="en-US" altLang="ko-KR" sz="2100" b="1" dirty="0">
+                <a:rPr lang="en-US" altLang="ko-KR" sz="2100" b="1">
                   <a:effectLst>
                     <a:outerShdw blurRad="38100" dist="38100" dir="2700000" algn="tl">
                       <a:srgbClr val="000000">
@@ -9454,7 +9410,7 @@
                 </a:rPr>
                 <a:t>01 </a:t>
               </a:r>
-              <a:endParaRPr lang="ko-KR" altLang="en-US" sz="2100" b="1" dirty="0">
+              <a:endParaRPr lang="ko-KR" altLang="en-US" sz="2100" b="1">
                 <a:effectLst>
                   <a:outerShdw blurRad="38100" dist="38100" dir="2700000" algn="tl">
                     <a:srgbClr val="000000">
@@ -9509,7 +9465,7 @@
             <a:p>
               <a:pPr algn="l"/>
               <a:r>
-                <a:rPr lang="ko-KR" altLang="en-US" sz="2100" b="1" dirty="0">
+                <a:rPr lang="ko-KR" altLang="en-US" sz="2100" b="1">
                   <a:effectLst>
                     <a:outerShdw blurRad="38100" dist="38100" dir="2700000" algn="tl">
                       <a:srgbClr val="000000">
@@ -9556,7 +9512,7 @@
           <a:lstStyle/>
           <a:p>
             <a:r>
-              <a:rPr lang="ko-KR" altLang="en-US" sz="4000" dirty="0">
+              <a:rPr lang="ko-KR" altLang="en-US" sz="4000">
                 <a:latin typeface="나눔고딕 ExtraBold" panose="020D0904000000000000" pitchFamily="50" charset="-127"/>
                 <a:ea typeface="나눔고딕 ExtraBold" panose="020D0904000000000000" pitchFamily="50" charset="-127"/>
               </a:rPr>
@@ -9693,7 +9649,7 @@
           <a:p>
             <a:pPr algn="l"/>
             <a:r>
-              <a:rPr lang="en-US" altLang="ko-KR" sz="4000" b="1" dirty="0">
+              <a:rPr lang="en-US" altLang="ko-KR" sz="4000" b="1">
                 <a:solidFill>
                   <a:schemeClr val="bg1"/>
                 </a:solidFill>
@@ -9711,7 +9667,7 @@
               <a:t>01. </a:t>
             </a:r>
             <a:r>
-              <a:rPr lang="ko-KR" altLang="en-US" sz="4000" b="1" spc="600" dirty="0">
+              <a:rPr lang="ko-KR" altLang="en-US" sz="4000" b="1" spc="600">
                 <a:solidFill>
                   <a:schemeClr val="bg1"/>
                 </a:solidFill>
@@ -9775,7 +9731,7 @@
           <a:p>
             <a:pPr algn="ctr"/>
             <a:r>
-              <a:rPr lang="ko-KR" altLang="en-US" dirty="0">
+              <a:rPr lang="ko-KR" altLang="en-US">
                 <a:latin typeface="나눔고딕 ExtraBold" panose="020D0904000000000000" pitchFamily="50" charset="-127"/>
                 <a:ea typeface="나눔고딕 ExtraBold" panose="020D0904000000000000" pitchFamily="50" charset="-127"/>
               </a:rPr>
@@ -9834,10 +9790,6 @@
               </a:rPr>
               <a:t>기획의도</a:t>
             </a:r>
-            <a:endParaRPr lang="ko-KR" altLang="en-US" dirty="0">
-              <a:latin typeface="나눔고딕 ExtraBold" panose="020D0904000000000000" pitchFamily="50" charset="-127"/>
-              <a:ea typeface="나눔고딕 ExtraBold" panose="020D0904000000000000" pitchFamily="50" charset="-127"/>
-            </a:endParaRPr>
           </a:p>
         </p:txBody>
       </p:sp>
@@ -9974,7 +9926,7 @@
               </a:rPr>
               <a:t> 비옥한 땅의 축복</a:t>
             </a:r>
-            <a:endParaRPr lang="ko-KR" altLang="en-US" dirty="0">
+            <a:endParaRPr lang="ko-KR" altLang="en-US">
               <a:solidFill>
                 <a:schemeClr val="tx1">
                   <a:lumMod val="75000"/>
@@ -10097,9 +10049,6 @@
               </a:rPr>
               <a:t>업무를 진행 중에도 다른 업무들이 누적되게 하는 것이 목표</a:t>
             </a:r>
-            <a:endParaRPr lang="ko-KR" altLang="en-US" dirty="0">
-              <a:ea typeface="나눔고딕" panose="020D0604000000000000"/>
-            </a:endParaRPr>
           </a:p>
         </p:txBody>
       </p:sp>
@@ -10193,7 +10142,7 @@
           <a:p>
             <a:pPr algn="l"/>
             <a:r>
-              <a:rPr lang="ko-KR" altLang="en-US" sz="2000" b="1" spc="600" dirty="0">
+              <a:rPr lang="ko-KR" altLang="en-US" sz="2000" b="1" spc="600">
                 <a:solidFill>
                   <a:schemeClr val="bg1"/>
                 </a:solidFill>
@@ -10211,7 +10160,7 @@
               <a:t>프로젝트 소개 </a:t>
             </a:r>
             <a:r>
-              <a:rPr lang="en-US" altLang="ko-KR" sz="2000" b="1" spc="600" dirty="0">
+              <a:rPr lang="en-US" altLang="ko-KR" sz="2000" b="1" spc="600">
                 <a:solidFill>
                   <a:schemeClr val="bg1"/>
                 </a:solidFill>
@@ -10229,7 +10178,7 @@
               <a:t>/ </a:t>
             </a:r>
             <a:r>
-              <a:rPr lang="ko-KR" altLang="en-US" sz="2000" b="1" spc="600" dirty="0">
+              <a:rPr lang="ko-KR" altLang="en-US" sz="2000" b="1" spc="600">
                 <a:solidFill>
                   <a:schemeClr val="bg1"/>
                 </a:solidFill>
@@ -10327,7 +10276,7 @@
           <a:p>
             <a:pPr algn="l"/>
             <a:r>
-              <a:rPr lang="en-US" altLang="ko-KR" sz="4000" b="1" dirty="0">
+              <a:rPr lang="en-US" altLang="ko-KR" sz="4000" b="1">
                 <a:solidFill>
                   <a:schemeClr val="bg1"/>
                 </a:solidFill>
@@ -10345,7 +10294,7 @@
               <a:t>01. </a:t>
             </a:r>
             <a:r>
-              <a:rPr lang="ko-KR" altLang="en-US" sz="4000" b="1" spc="600" dirty="0">
+              <a:rPr lang="ko-KR" altLang="en-US" sz="4000" b="1" spc="600">
                 <a:solidFill>
                   <a:schemeClr val="bg1"/>
                 </a:solidFill>
@@ -10409,13 +10358,13 @@
           <a:p>
             <a:pPr algn="ctr"/>
             <a:r>
-              <a:rPr lang="en-US" altLang="ko-KR" dirty="0">
+              <a:rPr lang="en-US" altLang="ko-KR">
                 <a:latin typeface="나눔고딕 ExtraBold" panose="020D0904000000000000" pitchFamily="50" charset="-127"/>
                 <a:ea typeface="나눔고딕 ExtraBold" panose="020D0904000000000000" pitchFamily="50" charset="-127"/>
               </a:rPr>
               <a:t>Tools</a:t>
             </a:r>
-            <a:endParaRPr lang="ko-KR" altLang="en-US" dirty="0">
+            <a:endParaRPr lang="ko-KR" altLang="en-US">
               <a:latin typeface="나눔고딕 ExtraBold" panose="020D0904000000000000" pitchFamily="50" charset="-127"/>
               <a:ea typeface="나눔고딕 ExtraBold" panose="020D0904000000000000" pitchFamily="50" charset="-127"/>
             </a:endParaRPr>
@@ -10466,7 +10415,7 @@
           <a:p>
             <a:pPr algn="ctr"/>
             <a:r>
-              <a:rPr lang="ko-KR" altLang="en-US" dirty="0">
+              <a:rPr lang="ko-KR" altLang="en-US">
                 <a:latin typeface="나눔고딕 ExtraBold" panose="020D0904000000000000" pitchFamily="50" charset="-127"/>
                 <a:ea typeface="나눔고딕 ExtraBold" panose="020D0904000000000000" pitchFamily="50" charset="-127"/>
               </a:rPr>
@@ -10513,7 +10462,7 @@
               <a:rPr lang="en-US" altLang="ko-KR"/>
               <a:t>        Oracle SQL Developer</a:t>
             </a:r>
-            <a:endParaRPr lang="ko-KR" altLang="en-US" dirty="0"/>
+            <a:endParaRPr lang="ko-KR" altLang="en-US"/>
           </a:p>
         </p:txBody>
       </p:sp>
@@ -10599,29 +10548,19 @@
               <a:rPr lang="en-US" altLang="ko-KR"/>
               <a:t>Windows 10</a:t>
             </a:r>
-            <a:endParaRPr lang="en-US" altLang="ko-KR" dirty="0"/>
-          </a:p>
-          <a:p>
-            <a:r>
-              <a:rPr lang="en-US" altLang="ko-KR" dirty="0"/>
-              <a:t>JAVA </a:t>
-            </a:r>
+          </a:p>
+          <a:p>
             <a:r>
               <a:rPr lang="en-US" altLang="ko-KR"/>
-              <a:t>SE 1.8.0_261</a:t>
-            </a:r>
-            <a:endParaRPr lang="en-US" altLang="ko-KR" dirty="0"/>
-          </a:p>
-          <a:p>
-            <a:r>
-              <a:rPr lang="en-US" altLang="ko-KR" dirty="0"/>
-              <a:t>SQL Oracle </a:t>
-            </a:r>
+              <a:t>JAVA SE 1.8.0_261</a:t>
+            </a:r>
+          </a:p>
+          <a:p>
             <a:r>
               <a:rPr lang="en-US" altLang="ko-KR"/>
-              <a:t>XE 11.2.0 thin</a:t>
-            </a:r>
-            <a:endParaRPr lang="ko-KR" altLang="en-US" dirty="0"/>
+              <a:t>SQL Oracle XE 11.2.0 thin</a:t>
+            </a:r>
+            <a:endParaRPr lang="ko-KR" altLang="en-US"/>
           </a:p>
         </p:txBody>
       </p:sp>
@@ -10715,7 +10654,7 @@
           <a:p>
             <a:pPr algn="l"/>
             <a:r>
-              <a:rPr lang="ko-KR" altLang="en-US" sz="2000" b="1" spc="600" dirty="0">
+              <a:rPr lang="ko-KR" altLang="en-US" sz="2000" b="1" spc="600">
                 <a:solidFill>
                   <a:schemeClr val="bg1"/>
                 </a:solidFill>
@@ -10779,13 +10718,13 @@
           <a:p>
             <a:pPr algn="ctr"/>
             <a:r>
-              <a:rPr lang="en-US" altLang="ko-KR" dirty="0">
+              <a:rPr lang="en-US" altLang="ko-KR">
                 <a:latin typeface="나눔고딕 ExtraBold" panose="020D0904000000000000" pitchFamily="50" charset="-127"/>
                 <a:ea typeface="나눔고딕 ExtraBold" panose="020D0904000000000000" pitchFamily="50" charset="-127"/>
               </a:rPr>
               <a:t>IDE</a:t>
             </a:r>
-            <a:endParaRPr lang="ko-KR" altLang="en-US" dirty="0">
+            <a:endParaRPr lang="ko-KR" altLang="en-US">
               <a:latin typeface="나눔고딕 ExtraBold" panose="020D0904000000000000" pitchFamily="50" charset="-127"/>
               <a:ea typeface="나눔고딕 ExtraBold" panose="020D0904000000000000" pitchFamily="50" charset="-127"/>
             </a:endParaRPr>
@@ -10821,24 +10760,19 @@
           <a:lstStyle/>
           <a:p>
             <a:r>
-              <a:rPr lang="en-US" altLang="ko-KR" dirty="0"/>
+              <a:rPr lang="en-US" altLang="ko-KR"/>
               <a:t>Eclipse Java EE IDE for Web Developers</a:t>
             </a:r>
           </a:p>
           <a:p>
             <a:r>
-              <a:rPr lang="en-US" altLang="ko-KR" dirty="0"/>
-              <a:t>Version: Photon Release (</a:t>
-            </a:r>
-            <a:r>
               <a:rPr lang="en-US" altLang="ko-KR"/>
-              <a:t>4.8.0)</a:t>
-            </a:r>
-            <a:endParaRPr lang="en-US" altLang="ko-KR" dirty="0"/>
-          </a:p>
-          <a:p>
-            <a:r>
-              <a:rPr lang="en-US" altLang="ko-KR" dirty="0"/>
+              <a:t>Version: Photon Release (4.8.0)</a:t>
+            </a:r>
+          </a:p>
+          <a:p>
+            <a:r>
+              <a:rPr lang="en-US" altLang="ko-KR"/>
               <a:t>Oracle IDE 19.4.0.354</a:t>
             </a:r>
           </a:p>
@@ -10989,7 +10923,7 @@
               </a:rPr>
               <a:t>Class Diagram</a:t>
             </a:r>
-            <a:endParaRPr lang="ko-KR" altLang="en-US" sz="2000" b="1" spc="600" dirty="0">
+            <a:endParaRPr lang="ko-KR" altLang="en-US" sz="2000" b="1" spc="600">
               <a:solidFill>
                 <a:schemeClr val="bg1"/>
               </a:solidFill>
@@ -11047,7 +10981,7 @@
           <a:p>
             <a:pPr algn="l"/>
             <a:r>
-              <a:rPr lang="en-US" altLang="ko-KR" sz="4000" b="1" dirty="0">
+              <a:rPr lang="en-US" altLang="ko-KR" sz="4000" b="1">
                 <a:solidFill>
                   <a:schemeClr val="bg1"/>
                 </a:solidFill>
@@ -11065,7 +10999,7 @@
               <a:t>02. </a:t>
             </a:r>
             <a:r>
-              <a:rPr lang="ko-KR" altLang="en-US" sz="4000" b="1" spc="600" dirty="0">
+              <a:rPr lang="ko-KR" altLang="en-US" sz="4000" b="1" spc="600">
                 <a:solidFill>
                   <a:schemeClr val="bg1"/>
                 </a:solidFill>
@@ -11202,7 +11136,7 @@
               </a:rPr>
               <a:t>ERD</a:t>
             </a:r>
-            <a:endParaRPr lang="ko-KR" altLang="en-US" sz="2000" b="1" spc="600" dirty="0">
+            <a:endParaRPr lang="ko-KR" altLang="en-US" sz="2000" b="1" spc="600">
               <a:solidFill>
                 <a:schemeClr val="bg1"/>
               </a:solidFill>
@@ -11260,7 +11194,7 @@
           <a:p>
             <a:pPr algn="l"/>
             <a:r>
-              <a:rPr lang="en-US" altLang="ko-KR" sz="4000" b="1" dirty="0">
+              <a:rPr lang="en-US" altLang="ko-KR" sz="4000" b="1">
                 <a:solidFill>
                   <a:schemeClr val="bg1"/>
                 </a:solidFill>
@@ -11278,7 +11212,7 @@
               <a:t>02. </a:t>
             </a:r>
             <a:r>
-              <a:rPr lang="ko-KR" altLang="en-US" sz="4000" b="1" spc="600" dirty="0">
+              <a:rPr lang="ko-KR" altLang="en-US" sz="4000" b="1" spc="600">
                 <a:solidFill>
                   <a:schemeClr val="bg1"/>
                 </a:solidFill>
@@ -11483,7 +11417,7 @@
               </a:rPr>
               <a:t>)</a:t>
             </a:r>
-            <a:endParaRPr lang="ko-KR" altLang="en-US" sz="2000" b="1" spc="600" dirty="0">
+            <a:endParaRPr lang="ko-KR" altLang="en-US" sz="2000" b="1" spc="600">
               <a:solidFill>
                 <a:schemeClr val="bg1"/>
               </a:solidFill>
@@ -11541,7 +11475,7 @@
           <a:p>
             <a:pPr algn="l"/>
             <a:r>
-              <a:rPr lang="en-US" altLang="ko-KR" sz="4000" b="1" dirty="0">
+              <a:rPr lang="en-US" altLang="ko-KR" sz="4000" b="1">
                 <a:solidFill>
                   <a:schemeClr val="bg1"/>
                 </a:solidFill>
@@ -11559,7 +11493,7 @@
               <a:t>02. </a:t>
             </a:r>
             <a:r>
-              <a:rPr lang="ko-KR" altLang="en-US" sz="4000" b="1" spc="600" dirty="0">
+              <a:rPr lang="ko-KR" altLang="en-US" sz="4000" b="1" spc="600">
                 <a:solidFill>
                   <a:schemeClr val="bg1"/>
                 </a:solidFill>
@@ -11807,7 +11741,7 @@
                 </a:rPr>
                 <a:t>주문 객체 생성</a:t>
               </a:r>
-              <a:endParaRPr lang="ko-KR" altLang="en-US" sz="1400" dirty="0">
+              <a:endParaRPr lang="ko-KR" altLang="en-US" sz="1400">
                 <a:solidFill>
                   <a:schemeClr val="tx1"/>
                 </a:solidFill>
@@ -12013,13 +11947,6 @@
                 </a:rPr>
                 <a:t>폐기 처리</a:t>
               </a:r>
-              <a:endParaRPr lang="ko-KR" altLang="en-US" sz="1400" b="1" dirty="0">
-                <a:solidFill>
-                  <a:schemeClr val="tx1"/>
-                </a:solidFill>
-                <a:latin typeface="나눔고딕" panose="020D0604000000000000" pitchFamily="50" charset="-127"/>
-                <a:ea typeface="나눔고딕" panose="020D0604000000000000" pitchFamily="50" charset="-127"/>
-              </a:endParaRPr>
             </a:p>
           </p:txBody>
         </p:sp>
@@ -12174,7 +12101,7 @@
                 </a:rPr>
                 <a:t>생산 가능 제품 조회</a:t>
               </a:r>
-              <a:endParaRPr lang="en-US" altLang="ko-KR" sz="1200" dirty="0">
+              <a:endParaRPr lang="en-US" altLang="ko-KR" sz="1200">
                 <a:solidFill>
                   <a:schemeClr val="tx1"/>
                 </a:solidFill>
@@ -12266,7 +12193,7 @@
                 </a:rPr>
                 <a:t>주문 조회</a:t>
               </a:r>
-              <a:endParaRPr lang="en-US" altLang="ko-KR" sz="1400" b="1" dirty="0">
+              <a:endParaRPr lang="en-US" altLang="ko-KR" sz="1400" b="1">
                 <a:solidFill>
                   <a:schemeClr val="tx1"/>
                 </a:solidFill>
@@ -12288,7 +12215,7 @@
               </a:endParaRPr>
             </a:p>
             <a:p>
-              <a:endParaRPr lang="en-US" altLang="ko-KR" sz="1400" dirty="0">
+              <a:endParaRPr lang="en-US" altLang="ko-KR" sz="1400">
                 <a:solidFill>
                   <a:schemeClr val="tx1"/>
                 </a:solidFill>
@@ -12475,13 +12402,6 @@
                 </a:rPr>
                 <a:t>제품 등록 취소</a:t>
               </a:r>
-              <a:endParaRPr lang="ko-KR" altLang="en-US" sz="1400" b="1" dirty="0">
-                <a:solidFill>
-                  <a:schemeClr val="tx1"/>
-                </a:solidFill>
-                <a:latin typeface="나눔고딕" panose="020D0604000000000000" pitchFamily="50" charset="-127"/>
-                <a:ea typeface="나눔고딕" panose="020D0604000000000000" pitchFamily="50" charset="-127"/>
-              </a:endParaRPr>
             </a:p>
           </p:txBody>
         </p:sp>
@@ -13096,7 +13016,7 @@
               </a:rPr>
               <a:t>)</a:t>
             </a:r>
-            <a:endParaRPr lang="ko-KR" altLang="en-US" sz="2000" b="1" spc="600" dirty="0">
+            <a:endParaRPr lang="ko-KR" altLang="en-US" sz="2000" b="1" spc="600">
               <a:solidFill>
                 <a:schemeClr val="bg1"/>
               </a:solidFill>
@@ -13154,7 +13074,7 @@
           <a:p>
             <a:pPr algn="l"/>
             <a:r>
-              <a:rPr lang="en-US" altLang="ko-KR" sz="4000" b="1" dirty="0">
+              <a:rPr lang="en-US" altLang="ko-KR" sz="4000" b="1">
                 <a:solidFill>
                   <a:schemeClr val="bg1"/>
                 </a:solidFill>
@@ -13172,7 +13092,7 @@
               <a:t>02. </a:t>
             </a:r>
             <a:r>
-              <a:rPr lang="ko-KR" altLang="en-US" sz="4000" b="1" spc="600" dirty="0">
+              <a:rPr lang="ko-KR" altLang="en-US" sz="4000" b="1" spc="600">
                 <a:solidFill>
                   <a:schemeClr val="bg1"/>
                 </a:solidFill>
@@ -13395,21 +13315,6 @@
               </a:rPr>
               <a:t> </a:t>
             </a:r>
-            <a:endParaRPr lang="ko-KR" altLang="en-US" sz="2000" b="1" spc="600" dirty="0">
-              <a:solidFill>
-                <a:schemeClr val="bg1"/>
-              </a:solidFill>
-              <a:effectLst>
-                <a:outerShdw blurRad="38100" dist="38100" dir="2700000" algn="tl">
-                  <a:srgbClr val="000000">
-                    <a:alpha val="43137"/>
-                  </a:srgbClr>
-                </a:outerShdw>
-              </a:effectLst>
-              <a:latin typeface="나눔고딕 ExtraBold" panose="020D0904000000000000" pitchFamily="50" charset="-127"/>
-              <a:ea typeface="나눔고딕 ExtraBold" panose="020D0904000000000000" pitchFamily="50" charset="-127"/>
-              <a:cs typeface="Arial" panose="020B0604020202020204" pitchFamily="34" charset="0"/>
-            </a:endParaRPr>
           </a:p>
         </p:txBody>
       </p:sp>
@@ -13453,7 +13358,7 @@
           <a:p>
             <a:pPr algn="l"/>
             <a:r>
-              <a:rPr lang="en-US" altLang="ko-KR" sz="4000" b="1" dirty="0">
+              <a:rPr lang="en-US" altLang="ko-KR" sz="4000" b="1">
                 <a:solidFill>
                   <a:schemeClr val="bg1"/>
                 </a:solidFill>
@@ -13471,7 +13376,7 @@
               <a:t>02. </a:t>
             </a:r>
             <a:r>
-              <a:rPr lang="ko-KR" altLang="en-US" sz="4000" b="1" spc="600" dirty="0">
+              <a:rPr lang="ko-KR" altLang="en-US" sz="4000" b="1" spc="600">
                 <a:solidFill>
                   <a:schemeClr val="bg1"/>
                 </a:solidFill>
